--- a/Project Defence.pptx
+++ b/Project Defence.pptx
@@ -15,9 +15,8 @@
     <p:sldId id="262" r:id="rId9"/>
     <p:sldId id="263" r:id="rId10"/>
     <p:sldId id="264" r:id="rId11"/>
-    <p:sldId id="265" r:id="rId12"/>
-    <p:sldId id="266" r:id="rId13"/>
-    <p:sldId id="267" r:id="rId14"/>
+    <p:sldId id="266" r:id="rId12"/>
+    <p:sldId id="265" r:id="rId13"/>
   </p:sldIdLst>
   <p:sldSz cx="12192000" cy="6858000"/>
   <p:notesSz cx="6858000" cy="9144000"/>
@@ -116,6 +115,11 @@
       </a:defRPr>
     </a:lvl9pPr>
   </p:defaultTextStyle>
+  <p:extLst>
+    <p:ext uri="{EFAFB233-063F-42B5-8137-9DF3F51BA10A}">
+      <p15:sldGuideLst xmlns:p15="http://schemas.microsoft.com/office/powerpoint/2012/main"/>
+    </p:ext>
+  </p:extLst>
 </p:presentation>
 </file>
 
@@ -169,7 +173,7 @@
           <a:noFill/>
           <a:extLst>
             <a:ext uri="{909E8E84-426E-40dd-AFC4-6F175D3DCCD1}">
-              <a14:hiddenFill xmlns:a14="http://schemas.microsoft.com/office/drawing/2010/main" xmlns="">
+              <a14:hiddenFill xmlns="" xmlns:a14="http://schemas.microsoft.com/office/drawing/2010/main">
                 <a:solidFill>
                   <a:srgbClr val="FFFFFF"/>
                 </a:solidFill>
@@ -229,7 +233,7 @@
             </a:ln>
             <a:extLst>
               <a:ext uri="{91240B29-F687-4f45-9708-019B960494DF}">
-                <a14:hiddenLine xmlns:a14="http://schemas.microsoft.com/office/drawing/2010/main" xmlns="" w="9525">
+                <a14:hiddenLine xmlns="" xmlns:a14="http://schemas.microsoft.com/office/drawing/2010/main" w="9525">
                   <a:solidFill>
                     <a:srgbClr val="000000"/>
                   </a:solidFill>
@@ -319,7 +323,7 @@
             </a:ln>
             <a:extLst>
               <a:ext uri="{91240B29-F687-4f45-9708-019B960494DF}">
-                <a14:hiddenLine xmlns:a14="http://schemas.microsoft.com/office/drawing/2010/main" xmlns="" w="9525">
+                <a14:hiddenLine xmlns="" xmlns:a14="http://schemas.microsoft.com/office/drawing/2010/main" w="9525">
                   <a:solidFill>
                     <a:srgbClr val="000000"/>
                   </a:solidFill>
@@ -409,7 +413,7 @@
             </a:ln>
             <a:extLst>
               <a:ext uri="{91240B29-F687-4f45-9708-019B960494DF}">
-                <a14:hiddenLine xmlns:a14="http://schemas.microsoft.com/office/drawing/2010/main" xmlns="" w="9525">
+                <a14:hiddenLine xmlns="" xmlns:a14="http://schemas.microsoft.com/office/drawing/2010/main" w="9525">
                   <a:solidFill>
                     <a:srgbClr val="000000"/>
                   </a:solidFill>
@@ -443,7 +447,7 @@
             </a:ln>
             <a:extLst>
               <a:ext uri="{91240B29-F687-4f45-9708-019B960494DF}">
-                <a14:hiddenLine xmlns:a14="http://schemas.microsoft.com/office/drawing/2010/main" xmlns="" w="9525">
+                <a14:hiddenLine xmlns="" xmlns:a14="http://schemas.microsoft.com/office/drawing/2010/main" w="9525">
                   <a:solidFill>
                     <a:srgbClr val="000000"/>
                   </a:solidFill>
@@ -533,7 +537,7 @@
             </a:ln>
             <a:extLst>
               <a:ext uri="{91240B29-F687-4f45-9708-019B960494DF}">
-                <a14:hiddenLine xmlns:a14="http://schemas.microsoft.com/office/drawing/2010/main" xmlns="" w="9525">
+                <a14:hiddenLine xmlns="" xmlns:a14="http://schemas.microsoft.com/office/drawing/2010/main" w="9525">
                   <a:solidFill>
                     <a:srgbClr val="000000"/>
                   </a:solidFill>
@@ -595,7 +599,7 @@
             </a:ln>
             <a:extLst>
               <a:ext uri="{91240B29-F687-4f45-9708-019B960494DF}">
-                <a14:hiddenLine xmlns:a14="http://schemas.microsoft.com/office/drawing/2010/main" xmlns="" w="9525">
+                <a14:hiddenLine xmlns="" xmlns:a14="http://schemas.microsoft.com/office/drawing/2010/main" w="9525">
                   <a:solidFill>
                     <a:srgbClr val="000000"/>
                   </a:solidFill>
@@ -657,7 +661,7 @@
             </a:ln>
             <a:extLst>
               <a:ext uri="{91240B29-F687-4f45-9708-019B960494DF}">
-                <a14:hiddenLine xmlns:a14="http://schemas.microsoft.com/office/drawing/2010/main" xmlns="" w="9525">
+                <a14:hiddenLine xmlns="" xmlns:a14="http://schemas.microsoft.com/office/drawing/2010/main" w="9525">
                   <a:solidFill>
                     <a:srgbClr val="000000"/>
                   </a:solidFill>
@@ -747,7 +751,7 @@
             </a:ln>
             <a:extLst>
               <a:ext uri="{91240B29-F687-4f45-9708-019B960494DF}">
-                <a14:hiddenLine xmlns:a14="http://schemas.microsoft.com/office/drawing/2010/main" xmlns="" w="9525">
+                <a14:hiddenLine xmlns="" xmlns:a14="http://schemas.microsoft.com/office/drawing/2010/main" w="9525">
                   <a:solidFill>
                     <a:srgbClr val="000000"/>
                   </a:solidFill>
@@ -809,7 +813,7 @@
             </a:ln>
             <a:extLst>
               <a:ext uri="{91240B29-F687-4f45-9708-019B960494DF}">
-                <a14:hiddenLine xmlns:a14="http://schemas.microsoft.com/office/drawing/2010/main" xmlns="" w="9525">
+                <a14:hiddenLine xmlns="" xmlns:a14="http://schemas.microsoft.com/office/drawing/2010/main" w="9525">
                   <a:solidFill>
                     <a:srgbClr val="000000"/>
                   </a:solidFill>
@@ -871,7 +875,7 @@
             </a:ln>
             <a:extLst>
               <a:ext uri="{91240B29-F687-4f45-9708-019B960494DF}">
-                <a14:hiddenLine xmlns:a14="http://schemas.microsoft.com/office/drawing/2010/main" xmlns="" w="9525">
+                <a14:hiddenLine xmlns="" xmlns:a14="http://schemas.microsoft.com/office/drawing/2010/main" w="9525">
                   <a:solidFill>
                     <a:srgbClr val="000000"/>
                   </a:solidFill>
@@ -961,7 +965,7 @@
             </a:ln>
             <a:extLst>
               <a:ext uri="{91240B29-F687-4f45-9708-019B960494DF}">
-                <a14:hiddenLine xmlns:a14="http://schemas.microsoft.com/office/drawing/2010/main" xmlns="" w="9525">
+                <a14:hiddenLine xmlns="" xmlns:a14="http://schemas.microsoft.com/office/drawing/2010/main" w="9525">
                   <a:solidFill>
                     <a:srgbClr val="000000"/>
                   </a:solidFill>
@@ -1051,7 +1055,7 @@
             </a:ln>
             <a:extLst>
               <a:ext uri="{91240B29-F687-4f45-9708-019B960494DF}">
-                <a14:hiddenLine xmlns:a14="http://schemas.microsoft.com/office/drawing/2010/main" xmlns="" w="9525">
+                <a14:hiddenLine xmlns="" xmlns:a14="http://schemas.microsoft.com/office/drawing/2010/main" w="9525">
                   <a:solidFill>
                     <a:srgbClr val="000000"/>
                   </a:solidFill>
@@ -1113,7 +1117,7 @@
             </a:ln>
             <a:extLst>
               <a:ext uri="{91240B29-F687-4f45-9708-019B960494DF}">
-                <a14:hiddenLine xmlns:a14="http://schemas.microsoft.com/office/drawing/2010/main" xmlns="" w="9525">
+                <a14:hiddenLine xmlns="" xmlns:a14="http://schemas.microsoft.com/office/drawing/2010/main" w="9525">
                   <a:solidFill>
                     <a:srgbClr val="000000"/>
                   </a:solidFill>
@@ -1223,7 +1227,7 @@
             </a:ln>
             <a:extLst>
               <a:ext uri="{91240B29-F687-4f45-9708-019B960494DF}">
-                <a14:hiddenLine xmlns:a14="http://schemas.microsoft.com/office/drawing/2010/main" xmlns="" w="9525">
+                <a14:hiddenLine xmlns="" xmlns:a14="http://schemas.microsoft.com/office/drawing/2010/main" w="9525">
                   <a:solidFill>
                     <a:srgbClr val="000000"/>
                   </a:solidFill>
@@ -1285,7 +1289,7 @@
             </a:ln>
             <a:extLst>
               <a:ext uri="{91240B29-F687-4f45-9708-019B960494DF}">
-                <a14:hiddenLine xmlns:a14="http://schemas.microsoft.com/office/drawing/2010/main" xmlns="" w="9525">
+                <a14:hiddenLine xmlns="" xmlns:a14="http://schemas.microsoft.com/office/drawing/2010/main" w="9525">
                   <a:solidFill>
                     <a:srgbClr val="000000"/>
                   </a:solidFill>
@@ -1375,7 +1379,7 @@
             </a:ln>
             <a:extLst>
               <a:ext uri="{91240B29-F687-4f45-9708-019B960494DF}">
-                <a14:hiddenLine xmlns:a14="http://schemas.microsoft.com/office/drawing/2010/main" xmlns="" w="9525">
+                <a14:hiddenLine xmlns="" xmlns:a14="http://schemas.microsoft.com/office/drawing/2010/main" w="9525">
                   <a:solidFill>
                     <a:srgbClr val="000000"/>
                   </a:solidFill>
@@ -1465,7 +1469,7 @@
             </a:ln>
             <a:extLst>
               <a:ext uri="{91240B29-F687-4f45-9708-019B960494DF}">
-                <a14:hiddenLine xmlns:a14="http://schemas.microsoft.com/office/drawing/2010/main" xmlns="" w="9525">
+                <a14:hiddenLine xmlns="" xmlns:a14="http://schemas.microsoft.com/office/drawing/2010/main" w="9525">
                   <a:solidFill>
                     <a:srgbClr val="000000"/>
                   </a:solidFill>
@@ -1527,7 +1531,7 @@
             </a:ln>
             <a:extLst>
               <a:ext uri="{91240B29-F687-4f45-9708-019B960494DF}">
-                <a14:hiddenLine xmlns:a14="http://schemas.microsoft.com/office/drawing/2010/main" xmlns="" w="9525">
+                <a14:hiddenLine xmlns="" xmlns:a14="http://schemas.microsoft.com/office/drawing/2010/main" w="9525">
                   <a:solidFill>
                     <a:srgbClr val="000000"/>
                   </a:solidFill>
@@ -1617,7 +1621,7 @@
             </a:ln>
             <a:extLst>
               <a:ext uri="{91240B29-F687-4f45-9708-019B960494DF}">
-                <a14:hiddenLine xmlns:a14="http://schemas.microsoft.com/office/drawing/2010/main" xmlns="" w="9525">
+                <a14:hiddenLine xmlns="" xmlns:a14="http://schemas.microsoft.com/office/drawing/2010/main" w="9525">
                   <a:solidFill>
                     <a:srgbClr val="000000"/>
                   </a:solidFill>
@@ -1707,7 +1711,7 @@
             </a:ln>
             <a:extLst>
               <a:ext uri="{91240B29-F687-4f45-9708-019B960494DF}">
-                <a14:hiddenLine xmlns:a14="http://schemas.microsoft.com/office/drawing/2010/main" xmlns="" w="9525">
+                <a14:hiddenLine xmlns="" xmlns:a14="http://schemas.microsoft.com/office/drawing/2010/main" w="9525">
                   <a:solidFill>
                     <a:srgbClr val="000000"/>
                   </a:solidFill>
@@ -1763,7 +1767,7 @@
             </a:ln>
             <a:extLst>
               <a:ext uri="{91240B29-F687-4f45-9708-019B960494DF}">
-                <a14:hiddenLine xmlns:a14="http://schemas.microsoft.com/office/drawing/2010/main" xmlns="" w="9525">
+                <a14:hiddenLine xmlns="" xmlns:a14="http://schemas.microsoft.com/office/drawing/2010/main" w="9525">
                   <a:solidFill>
                     <a:srgbClr val="000000"/>
                   </a:solidFill>
@@ -1853,7 +1857,7 @@
             </a:ln>
             <a:extLst>
               <a:ext uri="{91240B29-F687-4f45-9708-019B960494DF}">
-                <a14:hiddenLine xmlns:a14="http://schemas.microsoft.com/office/drawing/2010/main" xmlns="" w="9525">
+                <a14:hiddenLine xmlns="" xmlns:a14="http://schemas.microsoft.com/office/drawing/2010/main" w="9525">
                   <a:solidFill>
                     <a:srgbClr val="000000"/>
                   </a:solidFill>
@@ -1909,7 +1913,7 @@
             </a:ln>
             <a:extLst>
               <a:ext uri="{91240B29-F687-4f45-9708-019B960494DF}">
-                <a14:hiddenLine xmlns:a14="http://schemas.microsoft.com/office/drawing/2010/main" xmlns="" w="9525">
+                <a14:hiddenLine xmlns="" xmlns:a14="http://schemas.microsoft.com/office/drawing/2010/main" w="9525">
                   <a:solidFill>
                     <a:srgbClr val="000000"/>
                   </a:solidFill>
@@ -1999,7 +2003,7 @@
             </a:ln>
             <a:extLst>
               <a:ext uri="{91240B29-F687-4f45-9708-019B960494DF}">
-                <a14:hiddenLine xmlns:a14="http://schemas.microsoft.com/office/drawing/2010/main" xmlns="" w="9525">
+                <a14:hiddenLine xmlns="" xmlns:a14="http://schemas.microsoft.com/office/drawing/2010/main" w="9525">
                   <a:solidFill>
                     <a:srgbClr val="000000"/>
                   </a:solidFill>
@@ -2067,7 +2071,7 @@
             </a:ln>
             <a:extLst>
               <a:ext uri="{91240B29-F687-4f45-9708-019B960494DF}">
-                <a14:hiddenLine xmlns:a14="http://schemas.microsoft.com/office/drawing/2010/main" xmlns="" w="9525">
+                <a14:hiddenLine xmlns="" xmlns:a14="http://schemas.microsoft.com/office/drawing/2010/main" w="9525">
                   <a:solidFill>
                     <a:srgbClr val="000000"/>
                   </a:solidFill>
@@ -2157,7 +2161,7 @@
             </a:ln>
             <a:extLst>
               <a:ext uri="{91240B29-F687-4f45-9708-019B960494DF}">
-                <a14:hiddenLine xmlns:a14="http://schemas.microsoft.com/office/drawing/2010/main" xmlns="" w="9525">
+                <a14:hiddenLine xmlns="" xmlns:a14="http://schemas.microsoft.com/office/drawing/2010/main" w="9525">
                   <a:solidFill>
                     <a:srgbClr val="000000"/>
                   </a:solidFill>
@@ -2225,7 +2229,7 @@
             </a:ln>
             <a:extLst>
               <a:ext uri="{91240B29-F687-4f45-9708-019B960494DF}">
-                <a14:hiddenLine xmlns:a14="http://schemas.microsoft.com/office/drawing/2010/main" xmlns="" w="9525">
+                <a14:hiddenLine xmlns="" xmlns:a14="http://schemas.microsoft.com/office/drawing/2010/main" w="9525">
                   <a:solidFill>
                     <a:srgbClr val="000000"/>
                   </a:solidFill>
@@ -2315,7 +2319,7 @@
             </a:ln>
             <a:extLst>
               <a:ext uri="{91240B29-F687-4f45-9708-019B960494DF}">
-                <a14:hiddenLine xmlns:a14="http://schemas.microsoft.com/office/drawing/2010/main" xmlns="" w="9525">
+                <a14:hiddenLine xmlns="" xmlns:a14="http://schemas.microsoft.com/office/drawing/2010/main" w="9525">
                   <a:solidFill>
                     <a:srgbClr val="000000"/>
                   </a:solidFill>
@@ -2349,7 +2353,7 @@
             </a:ln>
             <a:extLst>
               <a:ext uri="{91240B29-F687-4f45-9708-019B960494DF}">
-                <a14:hiddenLine xmlns:a14="http://schemas.microsoft.com/office/drawing/2010/main" xmlns="" w="9525">
+                <a14:hiddenLine xmlns="" xmlns:a14="http://schemas.microsoft.com/office/drawing/2010/main" w="9525">
                   <a:solidFill>
                     <a:srgbClr val="000000"/>
                   </a:solidFill>
@@ -2439,7 +2443,7 @@
             </a:ln>
             <a:extLst>
               <a:ext uri="{91240B29-F687-4f45-9708-019B960494DF}">
-                <a14:hiddenLine xmlns:a14="http://schemas.microsoft.com/office/drawing/2010/main" xmlns="" w="9525">
+                <a14:hiddenLine xmlns="" xmlns:a14="http://schemas.microsoft.com/office/drawing/2010/main" w="9525">
                   <a:solidFill>
                     <a:srgbClr val="000000"/>
                   </a:solidFill>
@@ -2501,7 +2505,7 @@
             </a:ln>
             <a:extLst>
               <a:ext uri="{91240B29-F687-4f45-9708-019B960494DF}">
-                <a14:hiddenLine xmlns:a14="http://schemas.microsoft.com/office/drawing/2010/main" xmlns="" w="9525">
+                <a14:hiddenLine xmlns="" xmlns:a14="http://schemas.microsoft.com/office/drawing/2010/main" w="9525">
                   <a:solidFill>
                     <a:srgbClr val="000000"/>
                   </a:solidFill>
@@ -2563,7 +2567,7 @@
             </a:ln>
             <a:extLst>
               <a:ext uri="{91240B29-F687-4f45-9708-019B960494DF}">
-                <a14:hiddenLine xmlns:a14="http://schemas.microsoft.com/office/drawing/2010/main" xmlns="" w="9525">
+                <a14:hiddenLine xmlns="" xmlns:a14="http://schemas.microsoft.com/office/drawing/2010/main" w="9525">
                   <a:solidFill>
                     <a:srgbClr val="000000"/>
                   </a:solidFill>
@@ -2653,7 +2657,7 @@
             </a:ln>
             <a:extLst>
               <a:ext uri="{91240B29-F687-4f45-9708-019B960494DF}">
-                <a14:hiddenLine xmlns:a14="http://schemas.microsoft.com/office/drawing/2010/main" xmlns="" w="9525">
+                <a14:hiddenLine xmlns="" xmlns:a14="http://schemas.microsoft.com/office/drawing/2010/main" w="9525">
                   <a:solidFill>
                     <a:srgbClr val="000000"/>
                   </a:solidFill>
@@ -2721,7 +2725,7 @@
             </a:ln>
             <a:extLst>
               <a:ext uri="{91240B29-F687-4f45-9708-019B960494DF}">
-                <a14:hiddenLine xmlns:a14="http://schemas.microsoft.com/office/drawing/2010/main" xmlns="" w="9525">
+                <a14:hiddenLine xmlns="" xmlns:a14="http://schemas.microsoft.com/office/drawing/2010/main" w="9525">
                   <a:solidFill>
                     <a:srgbClr val="000000"/>
                   </a:solidFill>
@@ -2783,7 +2787,7 @@
             </a:ln>
             <a:extLst>
               <a:ext uri="{91240B29-F687-4f45-9708-019B960494DF}">
-                <a14:hiddenLine xmlns:a14="http://schemas.microsoft.com/office/drawing/2010/main" xmlns="" w="9525">
+                <a14:hiddenLine xmlns="" xmlns:a14="http://schemas.microsoft.com/office/drawing/2010/main" w="9525">
                   <a:solidFill>
                     <a:srgbClr val="000000"/>
                   </a:solidFill>
@@ -2873,7 +2877,7 @@
             </a:ln>
             <a:extLst>
               <a:ext uri="{91240B29-F687-4f45-9708-019B960494DF}">
-                <a14:hiddenLine xmlns:a14="http://schemas.microsoft.com/office/drawing/2010/main" xmlns="" w="9525">
+                <a14:hiddenLine xmlns="" xmlns:a14="http://schemas.microsoft.com/office/drawing/2010/main" w="9525">
                   <a:solidFill>
                     <a:srgbClr val="000000"/>
                   </a:solidFill>
@@ -2935,7 +2939,7 @@
             </a:ln>
             <a:extLst>
               <a:ext uri="{91240B29-F687-4f45-9708-019B960494DF}">
-                <a14:hiddenLine xmlns:a14="http://schemas.microsoft.com/office/drawing/2010/main" xmlns="" w="9525">
+                <a14:hiddenLine xmlns="" xmlns:a14="http://schemas.microsoft.com/office/drawing/2010/main" w="9525">
                   <a:solidFill>
                     <a:srgbClr val="000000"/>
                   </a:solidFill>
@@ -3025,7 +3029,7 @@
             </a:ln>
             <a:extLst>
               <a:ext uri="{91240B29-F687-4f45-9708-019B960494DF}">
-                <a14:hiddenLine xmlns:a14="http://schemas.microsoft.com/office/drawing/2010/main" xmlns="" w="9525">
+                <a14:hiddenLine xmlns="" xmlns:a14="http://schemas.microsoft.com/office/drawing/2010/main" w="9525">
                   <a:solidFill>
                     <a:srgbClr val="000000"/>
                   </a:solidFill>
@@ -3087,7 +3091,7 @@
             </a:ln>
             <a:extLst>
               <a:ext uri="{91240B29-F687-4f45-9708-019B960494DF}">
-                <a14:hiddenLine xmlns:a14="http://schemas.microsoft.com/office/drawing/2010/main" xmlns="" w="9525">
+                <a14:hiddenLine xmlns="" xmlns:a14="http://schemas.microsoft.com/office/drawing/2010/main" w="9525">
                   <a:solidFill>
                     <a:srgbClr val="000000"/>
                   </a:solidFill>
@@ -3177,7 +3181,7 @@
             </a:ln>
             <a:extLst>
               <a:ext uri="{91240B29-F687-4f45-9708-019B960494DF}">
-                <a14:hiddenLine xmlns:a14="http://schemas.microsoft.com/office/drawing/2010/main" xmlns="" w="9525">
+                <a14:hiddenLine xmlns="" xmlns:a14="http://schemas.microsoft.com/office/drawing/2010/main" w="9525">
                   <a:solidFill>
                     <a:srgbClr val="000000"/>
                   </a:solidFill>
@@ -3211,7 +3215,7 @@
             </a:ln>
             <a:extLst>
               <a:ext uri="{91240B29-F687-4f45-9708-019B960494DF}">
-                <a14:hiddenLine xmlns:a14="http://schemas.microsoft.com/office/drawing/2010/main" xmlns="" w="9525">
+                <a14:hiddenLine xmlns="" xmlns:a14="http://schemas.microsoft.com/office/drawing/2010/main" w="9525">
                   <a:solidFill>
                     <a:srgbClr val="000000"/>
                   </a:solidFill>
@@ -3276,7 +3280,7 @@
             </a:ln>
             <a:extLst>
               <a:ext uri="{91240B29-F687-4f45-9708-019B960494DF}">
-                <a14:hiddenLine xmlns:a14="http://schemas.microsoft.com/office/drawing/2010/main" xmlns="" w="9525">
+                <a14:hiddenLine xmlns="" xmlns:a14="http://schemas.microsoft.com/office/drawing/2010/main" w="9525">
                   <a:solidFill>
                     <a:srgbClr val="000000"/>
                   </a:solidFill>
@@ -3366,7 +3370,7 @@
             </a:ln>
             <a:extLst>
               <a:ext uri="{91240B29-F687-4f45-9708-019B960494DF}">
-                <a14:hiddenLine xmlns:a14="http://schemas.microsoft.com/office/drawing/2010/main" xmlns="" w="9525">
+                <a14:hiddenLine xmlns="" xmlns:a14="http://schemas.microsoft.com/office/drawing/2010/main" w="9525">
                   <a:solidFill>
                     <a:srgbClr val="000000"/>
                   </a:solidFill>
@@ -3428,7 +3432,7 @@
             </a:ln>
             <a:extLst>
               <a:ext uri="{91240B29-F687-4f45-9708-019B960494DF}">
-                <a14:hiddenLine xmlns:a14="http://schemas.microsoft.com/office/drawing/2010/main" xmlns="" w="9525">
+                <a14:hiddenLine xmlns="" xmlns:a14="http://schemas.microsoft.com/office/drawing/2010/main" w="9525">
                   <a:solidFill>
                     <a:srgbClr val="000000"/>
                   </a:solidFill>
@@ -3518,7 +3522,7 @@
             </a:ln>
             <a:extLst>
               <a:ext uri="{91240B29-F687-4f45-9708-019B960494DF}">
-                <a14:hiddenLine xmlns:a14="http://schemas.microsoft.com/office/drawing/2010/main" xmlns="" w="9525">
+                <a14:hiddenLine xmlns="" xmlns:a14="http://schemas.microsoft.com/office/drawing/2010/main" w="9525">
                   <a:solidFill>
                     <a:srgbClr val="000000"/>
                   </a:solidFill>
@@ -3608,7 +3612,7 @@
             </a:ln>
             <a:extLst>
               <a:ext uri="{91240B29-F687-4f45-9708-019B960494DF}">
-                <a14:hiddenLine xmlns:a14="http://schemas.microsoft.com/office/drawing/2010/main" xmlns="" w="9525">
+                <a14:hiddenLine xmlns="" xmlns:a14="http://schemas.microsoft.com/office/drawing/2010/main" w="9525">
                   <a:solidFill>
                     <a:srgbClr val="000000"/>
                   </a:solidFill>
@@ -3673,7 +3677,7 @@
             </a:ln>
             <a:extLst>
               <a:ext uri="{91240B29-F687-4f45-9708-019B960494DF}">
-                <a14:hiddenLine xmlns:a14="http://schemas.microsoft.com/office/drawing/2010/main" xmlns="" w="9525">
+                <a14:hiddenLine xmlns="" xmlns:a14="http://schemas.microsoft.com/office/drawing/2010/main" w="9525">
                   <a:solidFill>
                     <a:srgbClr val="000000"/>
                   </a:solidFill>
@@ -3735,7 +3739,7 @@
             </a:ln>
             <a:extLst>
               <a:ext uri="{91240B29-F687-4f45-9708-019B960494DF}">
-                <a14:hiddenLine xmlns:a14="http://schemas.microsoft.com/office/drawing/2010/main" xmlns="" w="9525">
+                <a14:hiddenLine xmlns="" xmlns:a14="http://schemas.microsoft.com/office/drawing/2010/main" w="9525">
                   <a:solidFill>
                     <a:srgbClr val="000000"/>
                   </a:solidFill>
@@ -3825,7 +3829,7 @@
             </a:ln>
             <a:extLst>
               <a:ext uri="{91240B29-F687-4f45-9708-019B960494DF}">
-                <a14:hiddenLine xmlns:a14="http://schemas.microsoft.com/office/drawing/2010/main" xmlns="" w="9525">
+                <a14:hiddenLine xmlns="" xmlns:a14="http://schemas.microsoft.com/office/drawing/2010/main" w="9525">
                   <a:solidFill>
                     <a:srgbClr val="000000"/>
                   </a:solidFill>
@@ -3915,7 +3919,7 @@
             </a:ln>
             <a:extLst>
               <a:ext uri="{91240B29-F687-4f45-9708-019B960494DF}">
-                <a14:hiddenLine xmlns:a14="http://schemas.microsoft.com/office/drawing/2010/main" xmlns="" w="9525">
+                <a14:hiddenLine xmlns="" xmlns:a14="http://schemas.microsoft.com/office/drawing/2010/main" w="9525">
                   <a:solidFill>
                     <a:srgbClr val="000000"/>
                   </a:solidFill>
@@ -3977,7 +3981,7 @@
             </a:ln>
             <a:extLst>
               <a:ext uri="{91240B29-F687-4f45-9708-019B960494DF}">
-                <a14:hiddenLine xmlns:a14="http://schemas.microsoft.com/office/drawing/2010/main" xmlns="" w="9525">
+                <a14:hiddenLine xmlns="" xmlns:a14="http://schemas.microsoft.com/office/drawing/2010/main" w="9525">
                   <a:solidFill>
                     <a:srgbClr val="000000"/>
                   </a:solidFill>
@@ -4097,7 +4101,7 @@
             </a:ln>
             <a:extLst>
               <a:ext uri="{91240B29-F687-4f45-9708-019B960494DF}">
-                <a14:hiddenLine xmlns:a14="http://schemas.microsoft.com/office/drawing/2010/main" xmlns="" w="9525">
+                <a14:hiddenLine xmlns="" xmlns:a14="http://schemas.microsoft.com/office/drawing/2010/main" w="9525">
                   <a:solidFill>
                     <a:srgbClr val="000000"/>
                   </a:solidFill>
@@ -4165,7 +4169,7 @@
             </a:ln>
             <a:extLst>
               <a:ext uri="{91240B29-F687-4f45-9708-019B960494DF}">
-                <a14:hiddenLine xmlns:a14="http://schemas.microsoft.com/office/drawing/2010/main" xmlns="" w="9525">
+                <a14:hiddenLine xmlns="" xmlns:a14="http://schemas.microsoft.com/office/drawing/2010/main" w="9525">
                   <a:solidFill>
                     <a:srgbClr val="000000"/>
                   </a:solidFill>
@@ -4255,7 +4259,7 @@
             </a:ln>
             <a:extLst>
               <a:ext uri="{91240B29-F687-4f45-9708-019B960494DF}">
-                <a14:hiddenLine xmlns:a14="http://schemas.microsoft.com/office/drawing/2010/main" xmlns="" w="9525">
+                <a14:hiddenLine xmlns="" xmlns:a14="http://schemas.microsoft.com/office/drawing/2010/main" w="9525">
                   <a:solidFill>
                     <a:srgbClr val="000000"/>
                   </a:solidFill>
@@ -4395,7 +4399,7 @@
           <a:p>
             <a:fld id="{48A87A34-81AB-432B-8DAE-1953F412C126}" type="datetimeFigureOut">
               <a:rPr lang="en-US" dirty="0"/>
-              <a:t>5/22/2025</a:t>
+              <a:t>5/23/2025</a:t>
             </a:fld>
             <a:endParaRPr lang="en-US" dirty="0"/>
           </a:p>
@@ -4657,7 +4661,7 @@
           <a:p>
             <a:fld id="{48A87A34-81AB-432B-8DAE-1953F412C126}" type="datetimeFigureOut">
               <a:rPr lang="en-US" dirty="0"/>
-              <a:t>5/22/2025</a:t>
+              <a:t>5/23/2025</a:t>
             </a:fld>
             <a:endParaRPr lang="en-US" dirty="0"/>
           </a:p>
@@ -4848,7 +4852,7 @@
           <a:p>
             <a:fld id="{48A87A34-81AB-432B-8DAE-1953F412C126}" type="datetimeFigureOut">
               <a:rPr lang="en-US" dirty="0"/>
-              <a:t>5/22/2025</a:t>
+              <a:t>5/23/2025</a:t>
             </a:fld>
             <a:endParaRPr lang="en-US" dirty="0"/>
           </a:p>
@@ -5106,7 +5110,7 @@
           <a:p>
             <a:fld id="{48A87A34-81AB-432B-8DAE-1953F412C126}" type="datetimeFigureOut">
               <a:rPr lang="en-US" dirty="0"/>
-              <a:t>5/22/2025</a:t>
+              <a:t>5/23/2025</a:t>
             </a:fld>
             <a:endParaRPr lang="en-US" dirty="0"/>
           </a:p>
@@ -5535,7 +5539,7 @@
           <a:p>
             <a:fld id="{48A87A34-81AB-432B-8DAE-1953F412C126}" type="datetimeFigureOut">
               <a:rPr lang="en-US" dirty="0"/>
-              <a:t>5/22/2025</a:t>
+              <a:t>5/23/2025</a:t>
             </a:fld>
             <a:endParaRPr lang="en-US" dirty="0"/>
           </a:p>
@@ -6076,7 +6080,7 @@
           <a:p>
             <a:fld id="{48A87A34-81AB-432B-8DAE-1953F412C126}" type="datetimeFigureOut">
               <a:rPr lang="en-US" dirty="0"/>
-              <a:t>5/22/2025</a:t>
+              <a:t>5/23/2025</a:t>
             </a:fld>
             <a:endParaRPr lang="en-US" dirty="0"/>
           </a:p>
@@ -6791,7 +6795,7 @@
           <a:p>
             <a:fld id="{48A87A34-81AB-432B-8DAE-1953F412C126}" type="datetimeFigureOut">
               <a:rPr lang="en-US" dirty="0"/>
-              <a:t>5/22/2025</a:t>
+              <a:t>5/23/2025</a:t>
             </a:fld>
             <a:endParaRPr lang="en-US" dirty="0"/>
           </a:p>
@@ -6956,7 +6960,7 @@
           <a:p>
             <a:fld id="{48A87A34-81AB-432B-8DAE-1953F412C126}" type="datetimeFigureOut">
               <a:rPr lang="en-US" dirty="0"/>
-              <a:t>5/22/2025</a:t>
+              <a:t>5/23/2025</a:t>
             </a:fld>
             <a:endParaRPr lang="en-US" dirty="0"/>
           </a:p>
@@ -7131,7 +7135,7 @@
           <a:p>
             <a:fld id="{48A87A34-81AB-432B-8DAE-1953F412C126}" type="datetimeFigureOut">
               <a:rPr lang="en-US" dirty="0"/>
-              <a:t>5/22/2025</a:t>
+              <a:t>5/23/2025</a:t>
             </a:fld>
             <a:endParaRPr lang="en-US" dirty="0"/>
           </a:p>
@@ -7296,7 +7300,7 @@
           <a:p>
             <a:fld id="{48A87A34-81AB-432B-8DAE-1953F412C126}" type="datetimeFigureOut">
               <a:rPr lang="en-US" dirty="0"/>
-              <a:t>5/22/2025</a:t>
+              <a:t>5/23/2025</a:t>
             </a:fld>
             <a:endParaRPr lang="en-US" dirty="0"/>
           </a:p>
@@ -7541,7 +7545,7 @@
           <a:p>
             <a:fld id="{48A87A34-81AB-432B-8DAE-1953F412C126}" type="datetimeFigureOut">
               <a:rPr lang="en-US" dirty="0"/>
-              <a:t>5/22/2025</a:t>
+              <a:t>5/23/2025</a:t>
             </a:fld>
             <a:endParaRPr lang="en-US" dirty="0"/>
           </a:p>
@@ -7768,7 +7772,7 @@
           <a:p>
             <a:fld id="{48A87A34-81AB-432B-8DAE-1953F412C126}" type="datetimeFigureOut">
               <a:rPr lang="en-US" dirty="0"/>
-              <a:t>5/22/2025</a:t>
+              <a:t>5/23/2025</a:t>
             </a:fld>
             <a:endParaRPr lang="en-US" dirty="0"/>
           </a:p>
@@ -8144,7 +8148,7 @@
           <a:p>
             <a:fld id="{48A87A34-81AB-432B-8DAE-1953F412C126}" type="datetimeFigureOut">
               <a:rPr lang="en-US" dirty="0"/>
-              <a:t>5/22/2025</a:t>
+              <a:t>5/23/2025</a:t>
             </a:fld>
             <a:endParaRPr lang="en-US" dirty="0"/>
           </a:p>
@@ -8257,7 +8261,7 @@
           <a:p>
             <a:fld id="{48A87A34-81AB-432B-8DAE-1953F412C126}" type="datetimeFigureOut">
               <a:rPr lang="en-US" dirty="0"/>
-              <a:t>5/22/2025</a:t>
+              <a:t>5/23/2025</a:t>
             </a:fld>
             <a:endParaRPr lang="en-US" dirty="0"/>
           </a:p>
@@ -8347,7 +8351,7 @@
           <a:p>
             <a:fld id="{48A87A34-81AB-432B-8DAE-1953F412C126}" type="datetimeFigureOut">
               <a:rPr lang="en-US" dirty="0"/>
-              <a:t>5/22/2025</a:t>
+              <a:t>5/23/2025</a:t>
             </a:fld>
             <a:endParaRPr lang="en-US" dirty="0"/>
           </a:p>
@@ -8591,7 +8595,7 @@
           <a:p>
             <a:fld id="{48A87A34-81AB-432B-8DAE-1953F412C126}" type="datetimeFigureOut">
               <a:rPr lang="en-US" dirty="0"/>
-              <a:t>5/22/2025</a:t>
+              <a:t>5/23/2025</a:t>
             </a:fld>
             <a:endParaRPr lang="en-US" dirty="0"/>
           </a:p>
@@ -8866,7 +8870,7 @@
           <a:p>
             <a:fld id="{48A87A34-81AB-432B-8DAE-1953F412C126}" type="datetimeFigureOut">
               <a:rPr lang="en-US" dirty="0"/>
-              <a:t>5/22/2025</a:t>
+              <a:t>5/23/2025</a:t>
             </a:fld>
             <a:endParaRPr lang="en-US" dirty="0"/>
           </a:p>
@@ -8977,7 +8981,7 @@
           <a:noFill/>
           <a:extLst>
             <a:ext uri="{909E8E84-426E-40dd-AFC4-6F175D3DCCD1}">
-              <a14:hiddenFill xmlns:a14="http://schemas.microsoft.com/office/drawing/2010/main" xmlns="">
+              <a14:hiddenFill xmlns="" xmlns:a14="http://schemas.microsoft.com/office/drawing/2010/main">
                 <a:solidFill>
                   <a:srgbClr val="FFFFFF"/>
                 </a:solidFill>
@@ -9051,7 +9055,7 @@
               </a:ln>
               <a:extLst>
                 <a:ext uri="{91240B29-F687-4f45-9708-019B960494DF}">
-                  <a14:hiddenLine xmlns:a14="http://schemas.microsoft.com/office/drawing/2010/main" xmlns="" w="9525">
+                  <a14:hiddenLine xmlns="" xmlns:a14="http://schemas.microsoft.com/office/drawing/2010/main" w="9525">
                     <a:solidFill>
                       <a:srgbClr val="000000"/>
                     </a:solidFill>
@@ -9141,7 +9145,7 @@
               </a:ln>
               <a:extLst>
                 <a:ext uri="{91240B29-F687-4f45-9708-019B960494DF}">
-                  <a14:hiddenLine xmlns:a14="http://schemas.microsoft.com/office/drawing/2010/main" xmlns="" w="9525">
+                  <a14:hiddenLine xmlns="" xmlns:a14="http://schemas.microsoft.com/office/drawing/2010/main" w="9525">
                     <a:solidFill>
                       <a:srgbClr val="000000"/>
                     </a:solidFill>
@@ -9231,7 +9235,7 @@
               </a:ln>
               <a:extLst>
                 <a:ext uri="{91240B29-F687-4f45-9708-019B960494DF}">
-                  <a14:hiddenLine xmlns:a14="http://schemas.microsoft.com/office/drawing/2010/main" xmlns="" w="9525">
+                  <a14:hiddenLine xmlns="" xmlns:a14="http://schemas.microsoft.com/office/drawing/2010/main" w="9525">
                     <a:solidFill>
                       <a:srgbClr val="000000"/>
                     </a:solidFill>
@@ -9293,7 +9297,7 @@
               </a:ln>
               <a:extLst>
                 <a:ext uri="{91240B29-F687-4f45-9708-019B960494DF}">
-                  <a14:hiddenLine xmlns:a14="http://schemas.microsoft.com/office/drawing/2010/main" xmlns="" w="9525">
+                  <a14:hiddenLine xmlns="" xmlns:a14="http://schemas.microsoft.com/office/drawing/2010/main" w="9525">
                     <a:solidFill>
                       <a:srgbClr val="000000"/>
                     </a:solidFill>
@@ -9383,7 +9387,7 @@
               </a:ln>
               <a:extLst>
                 <a:ext uri="{91240B29-F687-4f45-9708-019B960494DF}">
-                  <a14:hiddenLine xmlns:a14="http://schemas.microsoft.com/office/drawing/2010/main" xmlns="" w="9525">
+                  <a14:hiddenLine xmlns="" xmlns:a14="http://schemas.microsoft.com/office/drawing/2010/main" w="9525">
                     <a:solidFill>
                       <a:srgbClr val="000000"/>
                     </a:solidFill>
@@ -9445,7 +9449,7 @@
               </a:ln>
               <a:extLst>
                 <a:ext uri="{91240B29-F687-4f45-9708-019B960494DF}">
-                  <a14:hiddenLine xmlns:a14="http://schemas.microsoft.com/office/drawing/2010/main" xmlns="" w="9525">
+                  <a14:hiddenLine xmlns="" xmlns:a14="http://schemas.microsoft.com/office/drawing/2010/main" w="9525">
                     <a:solidFill>
                       <a:srgbClr val="000000"/>
                     </a:solidFill>
@@ -9507,7 +9511,7 @@
               </a:ln>
               <a:extLst>
                 <a:ext uri="{91240B29-F687-4f45-9708-019B960494DF}">
-                  <a14:hiddenLine xmlns:a14="http://schemas.microsoft.com/office/drawing/2010/main" xmlns="" w="9525">
+                  <a14:hiddenLine xmlns="" xmlns:a14="http://schemas.microsoft.com/office/drawing/2010/main" w="9525">
                     <a:solidFill>
                       <a:srgbClr val="000000"/>
                     </a:solidFill>
@@ -9597,7 +9601,7 @@
               </a:ln>
               <a:extLst>
                 <a:ext uri="{91240B29-F687-4f45-9708-019B960494DF}">
-                  <a14:hiddenLine xmlns:a14="http://schemas.microsoft.com/office/drawing/2010/main" xmlns="" w="9525">
+                  <a14:hiddenLine xmlns="" xmlns:a14="http://schemas.microsoft.com/office/drawing/2010/main" w="9525">
                     <a:solidFill>
                       <a:srgbClr val="000000"/>
                     </a:solidFill>
@@ -9687,7 +9691,7 @@
               </a:ln>
               <a:extLst>
                 <a:ext uri="{91240B29-F687-4f45-9708-019B960494DF}">
-                  <a14:hiddenLine xmlns:a14="http://schemas.microsoft.com/office/drawing/2010/main" xmlns="" w="9525">
+                  <a14:hiddenLine xmlns="" xmlns:a14="http://schemas.microsoft.com/office/drawing/2010/main" w="9525">
                     <a:solidFill>
                       <a:srgbClr val="000000"/>
                     </a:solidFill>
@@ -9749,7 +9753,7 @@
               </a:ln>
               <a:extLst>
                 <a:ext uri="{91240B29-F687-4f45-9708-019B960494DF}">
-                  <a14:hiddenLine xmlns:a14="http://schemas.microsoft.com/office/drawing/2010/main" xmlns="" w="9525">
+                  <a14:hiddenLine xmlns="" xmlns:a14="http://schemas.microsoft.com/office/drawing/2010/main" w="9525">
                     <a:solidFill>
                       <a:srgbClr val="000000"/>
                     </a:solidFill>
@@ -9859,7 +9863,7 @@
               </a:ln>
               <a:extLst>
                 <a:ext uri="{91240B29-F687-4f45-9708-019B960494DF}">
-                  <a14:hiddenLine xmlns:a14="http://schemas.microsoft.com/office/drawing/2010/main" xmlns="" w="9525">
+                  <a14:hiddenLine xmlns="" xmlns:a14="http://schemas.microsoft.com/office/drawing/2010/main" w="9525">
                     <a:solidFill>
                       <a:srgbClr val="000000"/>
                     </a:solidFill>
@@ -9943,7 +9947,7 @@
               </a:ln>
               <a:extLst>
                 <a:ext uri="{91240B29-F687-4f45-9708-019B960494DF}">
-                  <a14:hiddenLine xmlns:a14="http://schemas.microsoft.com/office/drawing/2010/main" xmlns="" w="9525">
+                  <a14:hiddenLine xmlns="" xmlns:a14="http://schemas.microsoft.com/office/drawing/2010/main" w="9525">
                     <a:solidFill>
                       <a:srgbClr val="000000"/>
                     </a:solidFill>
@@ -10005,7 +10009,7 @@
               </a:ln>
               <a:extLst>
                 <a:ext uri="{91240B29-F687-4f45-9708-019B960494DF}">
-                  <a14:hiddenLine xmlns:a14="http://schemas.microsoft.com/office/drawing/2010/main" xmlns="" w="9525">
+                  <a14:hiddenLine xmlns="" xmlns:a14="http://schemas.microsoft.com/office/drawing/2010/main" w="9525">
                     <a:solidFill>
                       <a:srgbClr val="000000"/>
                     </a:solidFill>
@@ -10067,7 +10071,7 @@
               </a:ln>
               <a:extLst>
                 <a:ext uri="{91240B29-F687-4f45-9708-019B960494DF}">
-                  <a14:hiddenLine xmlns:a14="http://schemas.microsoft.com/office/drawing/2010/main" xmlns="" w="9525">
+                  <a14:hiddenLine xmlns="" xmlns:a14="http://schemas.microsoft.com/office/drawing/2010/main" w="9525">
                     <a:solidFill>
                       <a:srgbClr val="000000"/>
                     </a:solidFill>
@@ -10157,7 +10161,7 @@
               </a:ln>
               <a:extLst>
                 <a:ext uri="{91240B29-F687-4f45-9708-019B960494DF}">
-                  <a14:hiddenLine xmlns:a14="http://schemas.microsoft.com/office/drawing/2010/main" xmlns="" w="9525">
+                  <a14:hiddenLine xmlns="" xmlns:a14="http://schemas.microsoft.com/office/drawing/2010/main" w="9525">
                     <a:solidFill>
                       <a:srgbClr val="000000"/>
                     </a:solidFill>
@@ -10191,7 +10195,7 @@
               </a:ln>
               <a:extLst>
                 <a:ext uri="{91240B29-F687-4f45-9708-019B960494DF}">
-                  <a14:hiddenLine xmlns:a14="http://schemas.microsoft.com/office/drawing/2010/main" xmlns="" w="9525">
+                  <a14:hiddenLine xmlns="" xmlns:a14="http://schemas.microsoft.com/office/drawing/2010/main" w="9525">
                     <a:solidFill>
                       <a:srgbClr val="000000"/>
                     </a:solidFill>
@@ -10256,7 +10260,7 @@
               </a:ln>
               <a:extLst>
                 <a:ext uri="{91240B29-F687-4f45-9708-019B960494DF}">
-                  <a14:hiddenLine xmlns:a14="http://schemas.microsoft.com/office/drawing/2010/main" xmlns="" w="9525">
+                  <a14:hiddenLine xmlns="" xmlns:a14="http://schemas.microsoft.com/office/drawing/2010/main" w="9525">
                     <a:solidFill>
                       <a:srgbClr val="000000"/>
                     </a:solidFill>
@@ -10346,7 +10350,7 @@
               </a:ln>
               <a:extLst>
                 <a:ext uri="{91240B29-F687-4f45-9708-019B960494DF}">
-                  <a14:hiddenLine xmlns:a14="http://schemas.microsoft.com/office/drawing/2010/main" xmlns="" w="9525">
+                  <a14:hiddenLine xmlns="" xmlns:a14="http://schemas.microsoft.com/office/drawing/2010/main" w="9525">
                     <a:solidFill>
                       <a:srgbClr val="000000"/>
                     </a:solidFill>
@@ -10408,7 +10412,7 @@
               </a:ln>
               <a:extLst>
                 <a:ext uri="{91240B29-F687-4f45-9708-019B960494DF}">
-                  <a14:hiddenLine xmlns:a14="http://schemas.microsoft.com/office/drawing/2010/main" xmlns="" w="9525">
+                  <a14:hiddenLine xmlns="" xmlns:a14="http://schemas.microsoft.com/office/drawing/2010/main" w="9525">
                     <a:solidFill>
                       <a:srgbClr val="000000"/>
                     </a:solidFill>
@@ -10498,7 +10502,7 @@
               </a:ln>
               <a:extLst>
                 <a:ext uri="{91240B29-F687-4f45-9708-019B960494DF}">
-                  <a14:hiddenLine xmlns:a14="http://schemas.microsoft.com/office/drawing/2010/main" xmlns="" w="9525">
+                  <a14:hiddenLine xmlns="" xmlns:a14="http://schemas.microsoft.com/office/drawing/2010/main" w="9525">
                     <a:solidFill>
                       <a:srgbClr val="000000"/>
                     </a:solidFill>
@@ -10563,7 +10567,7 @@
               </a:ln>
               <a:extLst>
                 <a:ext uri="{91240B29-F687-4f45-9708-019B960494DF}">
-                  <a14:hiddenLine xmlns:a14="http://schemas.microsoft.com/office/drawing/2010/main" xmlns="" w="9525">
+                  <a14:hiddenLine xmlns="" xmlns:a14="http://schemas.microsoft.com/office/drawing/2010/main" w="9525">
                     <a:solidFill>
                       <a:srgbClr val="000000"/>
                     </a:solidFill>
@@ -10625,7 +10629,7 @@
               </a:ln>
               <a:extLst>
                 <a:ext uri="{91240B29-F687-4f45-9708-019B960494DF}">
-                  <a14:hiddenLine xmlns:a14="http://schemas.microsoft.com/office/drawing/2010/main" xmlns="" w="9525">
+                  <a14:hiddenLine xmlns="" xmlns:a14="http://schemas.microsoft.com/office/drawing/2010/main" w="9525">
                     <a:solidFill>
                       <a:srgbClr val="000000"/>
                     </a:solidFill>
@@ -10715,7 +10719,7 @@
               </a:ln>
               <a:extLst>
                 <a:ext uri="{91240B29-F687-4f45-9708-019B960494DF}">
-                  <a14:hiddenLine xmlns:a14="http://schemas.microsoft.com/office/drawing/2010/main" xmlns="" w="9525">
+                  <a14:hiddenLine xmlns="" xmlns:a14="http://schemas.microsoft.com/office/drawing/2010/main" w="9525">
                     <a:solidFill>
                       <a:srgbClr val="000000"/>
                     </a:solidFill>
@@ -10805,7 +10809,7 @@
               </a:ln>
               <a:extLst>
                 <a:ext uri="{91240B29-F687-4f45-9708-019B960494DF}">
-                  <a14:hiddenLine xmlns:a14="http://schemas.microsoft.com/office/drawing/2010/main" xmlns="" w="9525">
+                  <a14:hiddenLine xmlns="" xmlns:a14="http://schemas.microsoft.com/office/drawing/2010/main" w="9525">
                     <a:solidFill>
                       <a:srgbClr val="000000"/>
                     </a:solidFill>
@@ -10870,7 +10874,7 @@
               </a:ln>
               <a:extLst>
                 <a:ext uri="{91240B29-F687-4f45-9708-019B960494DF}">
-                  <a14:hiddenLine xmlns:a14="http://schemas.microsoft.com/office/drawing/2010/main" xmlns="" w="9525">
+                  <a14:hiddenLine xmlns="" xmlns:a14="http://schemas.microsoft.com/office/drawing/2010/main" w="9525">
                     <a:solidFill>
                       <a:srgbClr val="000000"/>
                     </a:solidFill>
@@ -10990,7 +10994,7 @@
               </a:ln>
               <a:extLst>
                 <a:ext uri="{91240B29-F687-4f45-9708-019B960494DF}">
-                  <a14:hiddenLine xmlns:a14="http://schemas.microsoft.com/office/drawing/2010/main" xmlns="" w="9525">
+                  <a14:hiddenLine xmlns="" xmlns:a14="http://schemas.microsoft.com/office/drawing/2010/main" w="9525">
                     <a:solidFill>
                       <a:srgbClr val="000000"/>
                     </a:solidFill>
@@ -11088,7 +11092,7 @@
               </a:ln>
               <a:extLst>
                 <a:ext uri="{91240B29-F687-4f45-9708-019B960494DF}">
-                  <a14:hiddenLine xmlns:a14="http://schemas.microsoft.com/office/drawing/2010/main" xmlns="" w="9525">
+                  <a14:hiddenLine xmlns="" xmlns:a14="http://schemas.microsoft.com/office/drawing/2010/main" w="9525">
                     <a:solidFill>
                       <a:srgbClr val="000000"/>
                     </a:solidFill>
@@ -11203,7 +11207,7 @@
               </a:ln>
               <a:extLst>
                 <a:ext uri="{91240B29-F687-4f45-9708-019B960494DF}">
-                  <a14:hiddenLine xmlns:a14="http://schemas.microsoft.com/office/drawing/2010/main" xmlns="" w="9525">
+                  <a14:hiddenLine xmlns="" xmlns:a14="http://schemas.microsoft.com/office/drawing/2010/main" w="9525">
                     <a:solidFill>
                       <a:srgbClr val="000000"/>
                     </a:solidFill>
@@ -11293,7 +11297,7 @@
               </a:ln>
               <a:extLst>
                 <a:ext uri="{91240B29-F687-4f45-9708-019B960494DF}">
-                  <a14:hiddenLine xmlns:a14="http://schemas.microsoft.com/office/drawing/2010/main" xmlns="" w="9525">
+                  <a14:hiddenLine xmlns="" xmlns:a14="http://schemas.microsoft.com/office/drawing/2010/main" w="9525">
                     <a:solidFill>
                       <a:srgbClr val="000000"/>
                     </a:solidFill>
@@ -11358,7 +11362,7 @@
               </a:ln>
               <a:extLst>
                 <a:ext uri="{91240B29-F687-4f45-9708-019B960494DF}">
-                  <a14:hiddenLine xmlns:a14="http://schemas.microsoft.com/office/drawing/2010/main" xmlns="" w="9525">
+                  <a14:hiddenLine xmlns="" xmlns:a14="http://schemas.microsoft.com/office/drawing/2010/main" w="9525">
                     <a:solidFill>
                       <a:srgbClr val="000000"/>
                     </a:solidFill>
@@ -11448,7 +11452,7 @@
               </a:ln>
               <a:extLst>
                 <a:ext uri="{91240B29-F687-4f45-9708-019B960494DF}">
-                  <a14:hiddenLine xmlns:a14="http://schemas.microsoft.com/office/drawing/2010/main" xmlns="" w="9525">
+                  <a14:hiddenLine xmlns="" xmlns:a14="http://schemas.microsoft.com/office/drawing/2010/main" w="9525">
                     <a:solidFill>
                       <a:srgbClr val="000000"/>
                     </a:solidFill>
@@ -11516,7 +11520,7 @@
               </a:ln>
               <a:extLst>
                 <a:ext uri="{91240B29-F687-4f45-9708-019B960494DF}">
-                  <a14:hiddenLine xmlns:a14="http://schemas.microsoft.com/office/drawing/2010/main" xmlns="" w="9525">
+                  <a14:hiddenLine xmlns="" xmlns:a14="http://schemas.microsoft.com/office/drawing/2010/main" w="9525">
                     <a:solidFill>
                       <a:srgbClr val="000000"/>
                     </a:solidFill>
@@ -11606,7 +11610,7 @@
               </a:ln>
               <a:extLst>
                 <a:ext uri="{91240B29-F687-4f45-9708-019B960494DF}">
-                  <a14:hiddenLine xmlns:a14="http://schemas.microsoft.com/office/drawing/2010/main" xmlns="" w="9525">
+                  <a14:hiddenLine xmlns="" xmlns:a14="http://schemas.microsoft.com/office/drawing/2010/main" w="9525">
                     <a:solidFill>
                       <a:srgbClr val="000000"/>
                     </a:solidFill>
@@ -11674,7 +11678,7 @@
               </a:ln>
               <a:extLst>
                 <a:ext uri="{91240B29-F687-4f45-9708-019B960494DF}">
-                  <a14:hiddenLine xmlns:a14="http://schemas.microsoft.com/office/drawing/2010/main" xmlns="" w="9525">
+                  <a14:hiddenLine xmlns="" xmlns:a14="http://schemas.microsoft.com/office/drawing/2010/main" w="9525">
                     <a:solidFill>
                       <a:srgbClr val="000000"/>
                     </a:solidFill>
@@ -11764,7 +11768,7 @@
               </a:ln>
               <a:extLst>
                 <a:ext uri="{91240B29-F687-4f45-9708-019B960494DF}">
-                  <a14:hiddenLine xmlns:a14="http://schemas.microsoft.com/office/drawing/2010/main" xmlns="" w="9525">
+                  <a14:hiddenLine xmlns="" xmlns:a14="http://schemas.microsoft.com/office/drawing/2010/main" w="9525">
                     <a:solidFill>
                       <a:srgbClr val="000000"/>
                     </a:solidFill>
@@ -11798,7 +11802,7 @@
               </a:ln>
               <a:extLst>
                 <a:ext uri="{91240B29-F687-4f45-9708-019B960494DF}">
-                  <a14:hiddenLine xmlns:a14="http://schemas.microsoft.com/office/drawing/2010/main" xmlns="" w="9525">
+                  <a14:hiddenLine xmlns="" xmlns:a14="http://schemas.microsoft.com/office/drawing/2010/main" w="9525">
                     <a:solidFill>
                       <a:srgbClr val="000000"/>
                     </a:solidFill>
@@ -11939,7 +11943,7 @@
             <a:fld id="{48A87A34-81AB-432B-8DAE-1953F412C126}" type="datetimeFigureOut">
               <a:rPr lang="en-US" dirty="0"/>
               <a:pPr/>
-              <a:t>5/22/2025</a:t>
+              <a:t>5/23/2025</a:t>
             </a:fld>
             <a:endParaRPr lang="en-US" dirty="0"/>
           </a:p>
@@ -12594,6 +12598,248 @@
           </a:p>
         </p:txBody>
       </p:sp>
+      <p:sp>
+        <p:nvSpPr>
+          <p:cNvPr id="7" name="Subtitle 2">
+            <a:extLst>
+              <a:ext uri="{FF2B5EF4-FFF2-40B4-BE49-F238E27FC236}">
+                <a16:creationId xmlns:a16="http://schemas.microsoft.com/office/drawing/2014/main" id="{E25140E3-B421-3CE2-2917-B2AD4759B076}"/>
+              </a:ext>
+            </a:extLst>
+          </p:cNvPr>
+          <p:cNvSpPr txBox="1">
+            <a:spLocks/>
+          </p:cNvSpPr>
+          <p:nvPr/>
+        </p:nvSpPr>
+        <p:spPr>
+          <a:xfrm>
+            <a:off x="274954" y="5466398"/>
+            <a:ext cx="10582276" cy="1391602"/>
+          </a:xfrm>
+          <a:prstGeom prst="rect">
+            <a:avLst/>
+          </a:prstGeom>
+        </p:spPr>
+        <p:txBody>
+          <a:bodyPr vert="horz" lIns="91440" tIns="45720" rIns="91440" bIns="45720" rtlCol="0">
+            <a:noAutofit/>
+          </a:bodyPr>
+          <a:lstStyle>
+            <a:lvl1pPr marL="0" indent="0" algn="l" defTabSz="914400" rtl="0" eaLnBrk="1" latinLnBrk="0" hangingPunct="1">
+              <a:lnSpc>
+                <a:spcPct val="120000"/>
+              </a:lnSpc>
+              <a:spcBef>
+                <a:spcPts val="1000"/>
+              </a:spcBef>
+              <a:buSzPct val="125000"/>
+              <a:buFont typeface="Arial" panose="020B0604020202020204" pitchFamily="34" charset="0"/>
+              <a:buNone/>
+              <a:defRPr sz="2000" kern="1200" cap="all" baseline="0">
+                <a:solidFill>
+                  <a:schemeClr val="tx2"/>
+                </a:solidFill>
+                <a:latin typeface="+mn-lt"/>
+                <a:ea typeface="+mn-ea"/>
+                <a:cs typeface="+mn-cs"/>
+              </a:defRPr>
+            </a:lvl1pPr>
+            <a:lvl2pPr marL="457200" indent="0" algn="ctr" defTabSz="914400" rtl="0" eaLnBrk="1" latinLnBrk="0" hangingPunct="1">
+              <a:lnSpc>
+                <a:spcPct val="120000"/>
+              </a:lnSpc>
+              <a:spcBef>
+                <a:spcPts val="500"/>
+              </a:spcBef>
+              <a:buSzPct val="125000"/>
+              <a:buFont typeface="Arial" panose="020B0604020202020204" pitchFamily="34" charset="0"/>
+              <a:buNone/>
+              <a:defRPr sz="2000" kern="1200">
+                <a:solidFill>
+                  <a:schemeClr val="tx1"/>
+                </a:solidFill>
+                <a:latin typeface="+mn-lt"/>
+                <a:ea typeface="+mn-ea"/>
+                <a:cs typeface="+mn-cs"/>
+              </a:defRPr>
+            </a:lvl2pPr>
+            <a:lvl3pPr marL="914400" indent="0" algn="ctr" defTabSz="914400" rtl="0" eaLnBrk="1" latinLnBrk="0" hangingPunct="1">
+              <a:lnSpc>
+                <a:spcPct val="120000"/>
+              </a:lnSpc>
+              <a:spcBef>
+                <a:spcPts val="500"/>
+              </a:spcBef>
+              <a:buSzPct val="125000"/>
+              <a:buFont typeface="Arial" panose="020B0604020202020204" pitchFamily="34" charset="0"/>
+              <a:buNone/>
+              <a:defRPr sz="1800" kern="1200">
+                <a:solidFill>
+                  <a:schemeClr val="tx1"/>
+                </a:solidFill>
+                <a:latin typeface="+mn-lt"/>
+                <a:ea typeface="+mn-ea"/>
+                <a:cs typeface="+mn-cs"/>
+              </a:defRPr>
+            </a:lvl3pPr>
+            <a:lvl4pPr marL="1371600" indent="0" algn="ctr" defTabSz="914400" rtl="0" eaLnBrk="1" latinLnBrk="0" hangingPunct="1">
+              <a:lnSpc>
+                <a:spcPct val="120000"/>
+              </a:lnSpc>
+              <a:spcBef>
+                <a:spcPts val="500"/>
+              </a:spcBef>
+              <a:buSzPct val="125000"/>
+              <a:buFont typeface="Arial" panose="020B0604020202020204" pitchFamily="34" charset="0"/>
+              <a:buNone/>
+              <a:defRPr sz="1600" kern="1200">
+                <a:solidFill>
+                  <a:schemeClr val="tx1"/>
+                </a:solidFill>
+                <a:latin typeface="+mn-lt"/>
+                <a:ea typeface="+mn-ea"/>
+                <a:cs typeface="+mn-cs"/>
+              </a:defRPr>
+            </a:lvl4pPr>
+            <a:lvl5pPr marL="1828800" indent="0" algn="ctr" defTabSz="914400" rtl="0" eaLnBrk="1" latinLnBrk="0" hangingPunct="1">
+              <a:lnSpc>
+                <a:spcPct val="120000"/>
+              </a:lnSpc>
+              <a:spcBef>
+                <a:spcPts val="500"/>
+              </a:spcBef>
+              <a:buSzPct val="125000"/>
+              <a:buFont typeface="Arial" panose="020B0604020202020204" pitchFamily="34" charset="0"/>
+              <a:buNone/>
+              <a:defRPr sz="1600" kern="1200">
+                <a:solidFill>
+                  <a:schemeClr val="tx1"/>
+                </a:solidFill>
+                <a:latin typeface="+mn-lt"/>
+                <a:ea typeface="+mn-ea"/>
+                <a:cs typeface="+mn-cs"/>
+              </a:defRPr>
+            </a:lvl5pPr>
+            <a:lvl6pPr marL="2286000" indent="0" algn="ctr" defTabSz="914400" rtl="0" eaLnBrk="1" latinLnBrk="0" hangingPunct="1">
+              <a:lnSpc>
+                <a:spcPct val="120000"/>
+              </a:lnSpc>
+              <a:spcBef>
+                <a:spcPts val="500"/>
+              </a:spcBef>
+              <a:buSzPct val="125000"/>
+              <a:buFont typeface="Arial" panose="020B0604020202020204" pitchFamily="34" charset="0"/>
+              <a:buNone/>
+              <a:defRPr sz="1600" kern="1200">
+                <a:solidFill>
+                  <a:schemeClr val="tx1"/>
+                </a:solidFill>
+                <a:latin typeface="+mn-lt"/>
+                <a:ea typeface="+mn-ea"/>
+                <a:cs typeface="+mn-cs"/>
+              </a:defRPr>
+            </a:lvl6pPr>
+            <a:lvl7pPr marL="2743200" indent="0" algn="ctr" defTabSz="914400" rtl="0" eaLnBrk="1" latinLnBrk="0" hangingPunct="1">
+              <a:lnSpc>
+                <a:spcPct val="120000"/>
+              </a:lnSpc>
+              <a:spcBef>
+                <a:spcPts val="500"/>
+              </a:spcBef>
+              <a:buSzPct val="125000"/>
+              <a:buFont typeface="Arial" panose="020B0604020202020204" pitchFamily="34" charset="0"/>
+              <a:buNone/>
+              <a:defRPr sz="1600" kern="1200">
+                <a:solidFill>
+                  <a:schemeClr val="tx1"/>
+                </a:solidFill>
+                <a:latin typeface="+mn-lt"/>
+                <a:ea typeface="+mn-ea"/>
+                <a:cs typeface="+mn-cs"/>
+              </a:defRPr>
+            </a:lvl7pPr>
+            <a:lvl8pPr marL="3200400" indent="0" algn="ctr" defTabSz="914400" rtl="0" eaLnBrk="1" latinLnBrk="0" hangingPunct="1">
+              <a:lnSpc>
+                <a:spcPct val="120000"/>
+              </a:lnSpc>
+              <a:spcBef>
+                <a:spcPts val="500"/>
+              </a:spcBef>
+              <a:buSzPct val="125000"/>
+              <a:buFont typeface="Arial" panose="020B0604020202020204" pitchFamily="34" charset="0"/>
+              <a:buNone/>
+              <a:defRPr sz="1600" kern="1200">
+                <a:solidFill>
+                  <a:schemeClr val="tx1"/>
+                </a:solidFill>
+                <a:latin typeface="+mn-lt"/>
+                <a:ea typeface="+mn-ea"/>
+                <a:cs typeface="+mn-cs"/>
+              </a:defRPr>
+            </a:lvl8pPr>
+            <a:lvl9pPr marL="3657600" indent="0" algn="ctr" defTabSz="914400" rtl="0" eaLnBrk="1" latinLnBrk="0" hangingPunct="1">
+              <a:lnSpc>
+                <a:spcPct val="120000"/>
+              </a:lnSpc>
+              <a:spcBef>
+                <a:spcPts val="500"/>
+              </a:spcBef>
+              <a:buSzPct val="125000"/>
+              <a:buFont typeface="Arial" panose="020B0604020202020204" pitchFamily="34" charset="0"/>
+              <a:buNone/>
+              <a:defRPr sz="1600" kern="1200">
+                <a:solidFill>
+                  <a:schemeClr val="tx1"/>
+                </a:solidFill>
+                <a:latin typeface="+mn-lt"/>
+                <a:ea typeface="+mn-ea"/>
+                <a:cs typeface="+mn-cs"/>
+              </a:defRPr>
+            </a:lvl9pPr>
+          </a:lstStyle>
+          <a:p>
+            <a:r>
+              <a:rPr lang="en-US" sz="2400" cap="none" dirty="0">
+                <a:solidFill>
+                  <a:schemeClr val="tx1"/>
+                </a:solidFill>
+              </a:rPr>
+              <a:t>From the linear forecast trendline, The traffic data forecasts shows that as the week progresses, the congestion increases also. Meaning traffic is expected to be less at the beginning of the new week.</a:t>
+            </a:r>
+          </a:p>
+        </p:txBody>
+      </p:sp>
+      <p:pic>
+        <p:nvPicPr>
+          <p:cNvPr id="8" name="Picture 7">
+            <a:extLst>
+              <a:ext uri="{FF2B5EF4-FFF2-40B4-BE49-F238E27FC236}">
+                <a16:creationId xmlns:a16="http://schemas.microsoft.com/office/drawing/2014/main" id="{22843A59-3710-4C41-D197-57B613A2B0D2}"/>
+              </a:ext>
+            </a:extLst>
+          </p:cNvPr>
+          <p:cNvPicPr>
+            <a:picLocks noChangeAspect="1"/>
+          </p:cNvPicPr>
+          <p:nvPr/>
+        </p:nvPicPr>
+        <p:blipFill>
+          <a:blip r:embed="rId2"/>
+          <a:stretch>
+            <a:fillRect/>
+          </a:stretch>
+        </p:blipFill>
+        <p:spPr>
+          <a:xfrm>
+            <a:off x="934720" y="87206"/>
+            <a:ext cx="10322560" cy="5545668"/>
+          </a:xfrm>
+          <a:prstGeom prst="rect">
+            <a:avLst/>
+          </a:prstGeom>
+        </p:spPr>
+      </p:pic>
     </p:spTree>
     <p:extLst>
       <p:ext uri="{BB962C8B-B14F-4D97-AF65-F5344CB8AC3E}">
@@ -12608,6 +12854,324 @@
 </file>
 
 <file path=ppt/slides/slide11.xml><?xml version="1.0" encoding="utf-8"?>
+<p:sld xmlns:a="http://schemas.openxmlformats.org/drawingml/2006/main" xmlns:r="http://schemas.openxmlformats.org/officeDocument/2006/relationships" xmlns:p="http://schemas.openxmlformats.org/presentationml/2006/main">
+  <p:cSld>
+    <p:spTree>
+      <p:nvGrpSpPr>
+        <p:cNvPr id="1" name="">
+          <a:extLst>
+            <a:ext uri="{FF2B5EF4-FFF2-40B4-BE49-F238E27FC236}">
+              <a16:creationId xmlns:a16="http://schemas.microsoft.com/office/drawing/2014/main" id="{0B0D664C-1281-90AE-F77B-74D317F91258}"/>
+            </a:ext>
+          </a:extLst>
+        </p:cNvPr>
+        <p:cNvGrpSpPr/>
+        <p:nvPr/>
+      </p:nvGrpSpPr>
+      <p:grpSpPr>
+        <a:xfrm>
+          <a:off x="0" y="0"/>
+          <a:ext cx="0" cy="0"/>
+          <a:chOff x="0" y="0"/>
+          <a:chExt cx="0" cy="0"/>
+        </a:xfrm>
+      </p:grpSpPr>
+      <p:sp>
+        <p:nvSpPr>
+          <p:cNvPr id="2" name="Title 1">
+            <a:extLst>
+              <a:ext uri="{FF2B5EF4-FFF2-40B4-BE49-F238E27FC236}">
+                <a16:creationId xmlns:a16="http://schemas.microsoft.com/office/drawing/2014/main" id="{AA5BA86D-AC5E-3666-4DED-316BADDBF1E5}"/>
+              </a:ext>
+            </a:extLst>
+          </p:cNvPr>
+          <p:cNvSpPr>
+            <a:spLocks noGrp="1"/>
+          </p:cNvSpPr>
+          <p:nvPr>
+            <p:ph type="ctrTitle"/>
+          </p:nvPr>
+        </p:nvSpPr>
+        <p:spPr/>
+        <p:txBody>
+          <a:bodyPr/>
+          <a:lstStyle/>
+          <a:p>
+            <a:endParaRPr lang="en-US"/>
+          </a:p>
+        </p:txBody>
+      </p:sp>
+      <p:sp>
+        <p:nvSpPr>
+          <p:cNvPr id="3" name="Subtitle 2">
+            <a:extLst>
+              <a:ext uri="{FF2B5EF4-FFF2-40B4-BE49-F238E27FC236}">
+                <a16:creationId xmlns:a16="http://schemas.microsoft.com/office/drawing/2014/main" id="{2E7F7688-9A11-71F6-74EB-808BA64A2B4D}"/>
+              </a:ext>
+            </a:extLst>
+          </p:cNvPr>
+          <p:cNvSpPr>
+            <a:spLocks noGrp="1"/>
+          </p:cNvSpPr>
+          <p:nvPr>
+            <p:ph type="subTitle" idx="1"/>
+          </p:nvPr>
+        </p:nvSpPr>
+        <p:spPr/>
+        <p:txBody>
+          <a:bodyPr/>
+          <a:lstStyle/>
+          <a:p>
+            <a:endParaRPr lang="en-US"/>
+          </a:p>
+        </p:txBody>
+      </p:sp>
+      <p:sp>
+        <p:nvSpPr>
+          <p:cNvPr id="4" name="Subtitle 2">
+            <a:extLst>
+              <a:ext uri="{FF2B5EF4-FFF2-40B4-BE49-F238E27FC236}">
+                <a16:creationId xmlns:a16="http://schemas.microsoft.com/office/drawing/2014/main" id="{616118F9-533C-C5DB-D4E5-040A8DE9AC8E}"/>
+              </a:ext>
+            </a:extLst>
+          </p:cNvPr>
+          <p:cNvSpPr txBox="1">
+            <a:spLocks/>
+          </p:cNvSpPr>
+          <p:nvPr/>
+        </p:nvSpPr>
+        <p:spPr>
+          <a:xfrm>
+            <a:off x="528954" y="924561"/>
+            <a:ext cx="10582276" cy="1391602"/>
+          </a:xfrm>
+          <a:prstGeom prst="rect">
+            <a:avLst/>
+          </a:prstGeom>
+        </p:spPr>
+        <p:txBody>
+          <a:bodyPr vert="horz" lIns="91440" tIns="45720" rIns="91440" bIns="45720" rtlCol="0">
+            <a:noAutofit/>
+          </a:bodyPr>
+          <a:lstStyle>
+            <a:lvl1pPr marL="0" indent="0" algn="l" defTabSz="914400" rtl="0" eaLnBrk="1" latinLnBrk="0" hangingPunct="1">
+              <a:lnSpc>
+                <a:spcPct val="120000"/>
+              </a:lnSpc>
+              <a:spcBef>
+                <a:spcPts val="1000"/>
+              </a:spcBef>
+              <a:buSzPct val="125000"/>
+              <a:buFont typeface="Arial" panose="020B0604020202020204" pitchFamily="34" charset="0"/>
+              <a:buNone/>
+              <a:defRPr sz="2000" kern="1200" cap="all" baseline="0">
+                <a:solidFill>
+                  <a:schemeClr val="tx2"/>
+                </a:solidFill>
+                <a:latin typeface="+mn-lt"/>
+                <a:ea typeface="+mn-ea"/>
+                <a:cs typeface="+mn-cs"/>
+              </a:defRPr>
+            </a:lvl1pPr>
+            <a:lvl2pPr marL="457200" indent="0" algn="ctr" defTabSz="914400" rtl="0" eaLnBrk="1" latinLnBrk="0" hangingPunct="1">
+              <a:lnSpc>
+                <a:spcPct val="120000"/>
+              </a:lnSpc>
+              <a:spcBef>
+                <a:spcPts val="500"/>
+              </a:spcBef>
+              <a:buSzPct val="125000"/>
+              <a:buFont typeface="Arial" panose="020B0604020202020204" pitchFamily="34" charset="0"/>
+              <a:buNone/>
+              <a:defRPr sz="2000" kern="1200">
+                <a:solidFill>
+                  <a:schemeClr val="tx1"/>
+                </a:solidFill>
+                <a:latin typeface="+mn-lt"/>
+                <a:ea typeface="+mn-ea"/>
+                <a:cs typeface="+mn-cs"/>
+              </a:defRPr>
+            </a:lvl2pPr>
+            <a:lvl3pPr marL="914400" indent="0" algn="ctr" defTabSz="914400" rtl="0" eaLnBrk="1" latinLnBrk="0" hangingPunct="1">
+              <a:lnSpc>
+                <a:spcPct val="120000"/>
+              </a:lnSpc>
+              <a:spcBef>
+                <a:spcPts val="500"/>
+              </a:spcBef>
+              <a:buSzPct val="125000"/>
+              <a:buFont typeface="Arial" panose="020B0604020202020204" pitchFamily="34" charset="0"/>
+              <a:buNone/>
+              <a:defRPr sz="1800" kern="1200">
+                <a:solidFill>
+                  <a:schemeClr val="tx1"/>
+                </a:solidFill>
+                <a:latin typeface="+mn-lt"/>
+                <a:ea typeface="+mn-ea"/>
+                <a:cs typeface="+mn-cs"/>
+              </a:defRPr>
+            </a:lvl3pPr>
+            <a:lvl4pPr marL="1371600" indent="0" algn="ctr" defTabSz="914400" rtl="0" eaLnBrk="1" latinLnBrk="0" hangingPunct="1">
+              <a:lnSpc>
+                <a:spcPct val="120000"/>
+              </a:lnSpc>
+              <a:spcBef>
+                <a:spcPts val="500"/>
+              </a:spcBef>
+              <a:buSzPct val="125000"/>
+              <a:buFont typeface="Arial" panose="020B0604020202020204" pitchFamily="34" charset="0"/>
+              <a:buNone/>
+              <a:defRPr sz="1600" kern="1200">
+                <a:solidFill>
+                  <a:schemeClr val="tx1"/>
+                </a:solidFill>
+                <a:latin typeface="+mn-lt"/>
+                <a:ea typeface="+mn-ea"/>
+                <a:cs typeface="+mn-cs"/>
+              </a:defRPr>
+            </a:lvl4pPr>
+            <a:lvl5pPr marL="1828800" indent="0" algn="ctr" defTabSz="914400" rtl="0" eaLnBrk="1" latinLnBrk="0" hangingPunct="1">
+              <a:lnSpc>
+                <a:spcPct val="120000"/>
+              </a:lnSpc>
+              <a:spcBef>
+                <a:spcPts val="500"/>
+              </a:spcBef>
+              <a:buSzPct val="125000"/>
+              <a:buFont typeface="Arial" panose="020B0604020202020204" pitchFamily="34" charset="0"/>
+              <a:buNone/>
+              <a:defRPr sz="1600" kern="1200">
+                <a:solidFill>
+                  <a:schemeClr val="tx1"/>
+                </a:solidFill>
+                <a:latin typeface="+mn-lt"/>
+                <a:ea typeface="+mn-ea"/>
+                <a:cs typeface="+mn-cs"/>
+              </a:defRPr>
+            </a:lvl5pPr>
+            <a:lvl6pPr marL="2286000" indent="0" algn="ctr" defTabSz="914400" rtl="0" eaLnBrk="1" latinLnBrk="0" hangingPunct="1">
+              <a:lnSpc>
+                <a:spcPct val="120000"/>
+              </a:lnSpc>
+              <a:spcBef>
+                <a:spcPts val="500"/>
+              </a:spcBef>
+              <a:buSzPct val="125000"/>
+              <a:buFont typeface="Arial" panose="020B0604020202020204" pitchFamily="34" charset="0"/>
+              <a:buNone/>
+              <a:defRPr sz="1600" kern="1200">
+                <a:solidFill>
+                  <a:schemeClr val="tx1"/>
+                </a:solidFill>
+                <a:latin typeface="+mn-lt"/>
+                <a:ea typeface="+mn-ea"/>
+                <a:cs typeface="+mn-cs"/>
+              </a:defRPr>
+            </a:lvl6pPr>
+            <a:lvl7pPr marL="2743200" indent="0" algn="ctr" defTabSz="914400" rtl="0" eaLnBrk="1" latinLnBrk="0" hangingPunct="1">
+              <a:lnSpc>
+                <a:spcPct val="120000"/>
+              </a:lnSpc>
+              <a:spcBef>
+                <a:spcPts val="500"/>
+              </a:spcBef>
+              <a:buSzPct val="125000"/>
+              <a:buFont typeface="Arial" panose="020B0604020202020204" pitchFamily="34" charset="0"/>
+              <a:buNone/>
+              <a:defRPr sz="1600" kern="1200">
+                <a:solidFill>
+                  <a:schemeClr val="tx1"/>
+                </a:solidFill>
+                <a:latin typeface="+mn-lt"/>
+                <a:ea typeface="+mn-ea"/>
+                <a:cs typeface="+mn-cs"/>
+              </a:defRPr>
+            </a:lvl7pPr>
+            <a:lvl8pPr marL="3200400" indent="0" algn="ctr" defTabSz="914400" rtl="0" eaLnBrk="1" latinLnBrk="0" hangingPunct="1">
+              <a:lnSpc>
+                <a:spcPct val="120000"/>
+              </a:lnSpc>
+              <a:spcBef>
+                <a:spcPts val="500"/>
+              </a:spcBef>
+              <a:buSzPct val="125000"/>
+              <a:buFont typeface="Arial" panose="020B0604020202020204" pitchFamily="34" charset="0"/>
+              <a:buNone/>
+              <a:defRPr sz="1600" kern="1200">
+                <a:solidFill>
+                  <a:schemeClr val="tx1"/>
+                </a:solidFill>
+                <a:latin typeface="+mn-lt"/>
+                <a:ea typeface="+mn-ea"/>
+                <a:cs typeface="+mn-cs"/>
+              </a:defRPr>
+            </a:lvl8pPr>
+            <a:lvl9pPr marL="3657600" indent="0" algn="ctr" defTabSz="914400" rtl="0" eaLnBrk="1" latinLnBrk="0" hangingPunct="1">
+              <a:lnSpc>
+                <a:spcPct val="120000"/>
+              </a:lnSpc>
+              <a:spcBef>
+                <a:spcPts val="500"/>
+              </a:spcBef>
+              <a:buSzPct val="125000"/>
+              <a:buFont typeface="Arial" panose="020B0604020202020204" pitchFamily="34" charset="0"/>
+              <a:buNone/>
+              <a:defRPr sz="1600" kern="1200">
+                <a:solidFill>
+                  <a:schemeClr val="tx1"/>
+                </a:solidFill>
+                <a:latin typeface="+mn-lt"/>
+                <a:ea typeface="+mn-ea"/>
+                <a:cs typeface="+mn-cs"/>
+              </a:defRPr>
+            </a:lvl9pPr>
+          </a:lstStyle>
+          <a:p>
+            <a:r>
+              <a:rPr lang="en-US" sz="2400" cap="none" dirty="0">
+                <a:solidFill>
+                  <a:schemeClr val="bg1"/>
+                </a:solidFill>
+              </a:rPr>
+              <a:t>Indications:</a:t>
+            </a:r>
+          </a:p>
+          <a:p>
+            <a:r>
+              <a:rPr lang="en-US" sz="2400" cap="none" dirty="0">
+                <a:solidFill>
+                  <a:schemeClr val="bg1"/>
+                </a:solidFill>
+              </a:rPr>
+              <a:t>The above results indicates that the peculiar behavior of individuals in the above listed locations is, they go out more often towards the end of the week than from beginning of the week, probably as a result of work structure or type of business.</a:t>
+            </a:r>
+          </a:p>
+          <a:p>
+            <a:r>
+              <a:rPr lang="en-US" sz="2400" cap="none" dirty="0">
+                <a:solidFill>
+                  <a:schemeClr val="bg1"/>
+                </a:solidFill>
+              </a:rPr>
+              <a:t>Work structure being that more people who own businesses ply the roads in vehicles.</a:t>
+            </a:r>
+          </a:p>
+        </p:txBody>
+      </p:sp>
+    </p:spTree>
+    <p:extLst>
+      <p:ext uri="{BB962C8B-B14F-4D97-AF65-F5344CB8AC3E}">
+        <p14:creationId xmlns:p14="http://schemas.microsoft.com/office/powerpoint/2010/main" val="3391508733"/>
+      </p:ext>
+    </p:extLst>
+  </p:cSld>
+  <p:clrMapOvr>
+    <a:masterClrMapping/>
+  </p:clrMapOvr>
+</p:sld>
+</file>
+
+<file path=ppt/slides/slide12.xml><?xml version="1.0" encoding="utf-8"?>
 <p:sld xmlns:a="http://schemas.openxmlformats.org/drawingml/2006/main" xmlns:r="http://schemas.openxmlformats.org/officeDocument/2006/relationships" xmlns:p="http://schemas.openxmlformats.org/presentationml/2006/main">
   <p:cSld>
     <p:spTree>
@@ -12651,7 +13215,14 @@
           <a:bodyPr/>
           <a:lstStyle/>
           <a:p>
-            <a:endParaRPr lang="en-US"/>
+            <a:r>
+              <a:rPr lang="en-US" dirty="0"/>
+              <a:t>Thank You</a:t>
+            </a:r>
+            <a:br>
+              <a:rPr lang="en-US" dirty="0"/>
+            </a:br>
+            <a:endParaRPr lang="en-US" dirty="0"/>
           </a:p>
         </p:txBody>
       </p:sp>
@@ -12684,178 +13255,6 @@
     <p:extLst>
       <p:ext uri="{BB962C8B-B14F-4D97-AF65-F5344CB8AC3E}">
         <p14:creationId xmlns:p14="http://schemas.microsoft.com/office/powerpoint/2010/main" val="3718098339"/>
-      </p:ext>
-    </p:extLst>
-  </p:cSld>
-  <p:clrMapOvr>
-    <a:masterClrMapping/>
-  </p:clrMapOvr>
-</p:sld>
-</file>
-
-<file path=ppt/slides/slide12.xml><?xml version="1.0" encoding="utf-8"?>
-<p:sld xmlns:a="http://schemas.openxmlformats.org/drawingml/2006/main" xmlns:r="http://schemas.openxmlformats.org/officeDocument/2006/relationships" xmlns:p="http://schemas.openxmlformats.org/presentationml/2006/main">
-  <p:cSld>
-    <p:spTree>
-      <p:nvGrpSpPr>
-        <p:cNvPr id="1" name="">
-          <a:extLst>
-            <a:ext uri="{FF2B5EF4-FFF2-40B4-BE49-F238E27FC236}">
-              <a16:creationId xmlns:a16="http://schemas.microsoft.com/office/drawing/2014/main" id="{0B0D664C-1281-90AE-F77B-74D317F91258}"/>
-            </a:ext>
-          </a:extLst>
-        </p:cNvPr>
-        <p:cNvGrpSpPr/>
-        <p:nvPr/>
-      </p:nvGrpSpPr>
-      <p:grpSpPr>
-        <a:xfrm>
-          <a:off x="0" y="0"/>
-          <a:ext cx="0" cy="0"/>
-          <a:chOff x="0" y="0"/>
-          <a:chExt cx="0" cy="0"/>
-        </a:xfrm>
-      </p:grpSpPr>
-      <p:sp>
-        <p:nvSpPr>
-          <p:cNvPr id="2" name="Title 1">
-            <a:extLst>
-              <a:ext uri="{FF2B5EF4-FFF2-40B4-BE49-F238E27FC236}">
-                <a16:creationId xmlns:a16="http://schemas.microsoft.com/office/drawing/2014/main" id="{AA5BA86D-AC5E-3666-4DED-316BADDBF1E5}"/>
-              </a:ext>
-            </a:extLst>
-          </p:cNvPr>
-          <p:cNvSpPr>
-            <a:spLocks noGrp="1"/>
-          </p:cNvSpPr>
-          <p:nvPr>
-            <p:ph type="ctrTitle"/>
-          </p:nvPr>
-        </p:nvSpPr>
-        <p:spPr/>
-        <p:txBody>
-          <a:bodyPr/>
-          <a:lstStyle/>
-          <a:p>
-            <a:endParaRPr lang="en-US"/>
-          </a:p>
-        </p:txBody>
-      </p:sp>
-      <p:sp>
-        <p:nvSpPr>
-          <p:cNvPr id="3" name="Subtitle 2">
-            <a:extLst>
-              <a:ext uri="{FF2B5EF4-FFF2-40B4-BE49-F238E27FC236}">
-                <a16:creationId xmlns:a16="http://schemas.microsoft.com/office/drawing/2014/main" id="{2E7F7688-9A11-71F6-74EB-808BA64A2B4D}"/>
-              </a:ext>
-            </a:extLst>
-          </p:cNvPr>
-          <p:cNvSpPr>
-            <a:spLocks noGrp="1"/>
-          </p:cNvSpPr>
-          <p:nvPr>
-            <p:ph type="subTitle" idx="1"/>
-          </p:nvPr>
-        </p:nvSpPr>
-        <p:spPr/>
-        <p:txBody>
-          <a:bodyPr/>
-          <a:lstStyle/>
-          <a:p>
-            <a:endParaRPr lang="en-US"/>
-          </a:p>
-        </p:txBody>
-      </p:sp>
-    </p:spTree>
-    <p:extLst>
-      <p:ext uri="{BB962C8B-B14F-4D97-AF65-F5344CB8AC3E}">
-        <p14:creationId xmlns:p14="http://schemas.microsoft.com/office/powerpoint/2010/main" val="3391508733"/>
-      </p:ext>
-    </p:extLst>
-  </p:cSld>
-  <p:clrMapOvr>
-    <a:masterClrMapping/>
-  </p:clrMapOvr>
-</p:sld>
-</file>
-
-<file path=ppt/slides/slide13.xml><?xml version="1.0" encoding="utf-8"?>
-<p:sld xmlns:a="http://schemas.openxmlformats.org/drawingml/2006/main" xmlns:r="http://schemas.openxmlformats.org/officeDocument/2006/relationships" xmlns:p="http://schemas.openxmlformats.org/presentationml/2006/main">
-  <p:cSld>
-    <p:spTree>
-      <p:nvGrpSpPr>
-        <p:cNvPr id="1" name="">
-          <a:extLst>
-            <a:ext uri="{FF2B5EF4-FFF2-40B4-BE49-F238E27FC236}">
-              <a16:creationId xmlns:a16="http://schemas.microsoft.com/office/drawing/2014/main" id="{52DED31F-4555-D988-34BB-E40A0B514603}"/>
-            </a:ext>
-          </a:extLst>
-        </p:cNvPr>
-        <p:cNvGrpSpPr/>
-        <p:nvPr/>
-      </p:nvGrpSpPr>
-      <p:grpSpPr>
-        <a:xfrm>
-          <a:off x="0" y="0"/>
-          <a:ext cx="0" cy="0"/>
-          <a:chOff x="0" y="0"/>
-          <a:chExt cx="0" cy="0"/>
-        </a:xfrm>
-      </p:grpSpPr>
-      <p:sp>
-        <p:nvSpPr>
-          <p:cNvPr id="2" name="Title 1">
-            <a:extLst>
-              <a:ext uri="{FF2B5EF4-FFF2-40B4-BE49-F238E27FC236}">
-                <a16:creationId xmlns:a16="http://schemas.microsoft.com/office/drawing/2014/main" id="{7BD60624-B56E-4D58-2C4A-735F788C115A}"/>
-              </a:ext>
-            </a:extLst>
-          </p:cNvPr>
-          <p:cNvSpPr>
-            <a:spLocks noGrp="1"/>
-          </p:cNvSpPr>
-          <p:nvPr>
-            <p:ph type="ctrTitle"/>
-          </p:nvPr>
-        </p:nvSpPr>
-        <p:spPr/>
-        <p:txBody>
-          <a:bodyPr/>
-          <a:lstStyle/>
-          <a:p>
-            <a:endParaRPr lang="en-US"/>
-          </a:p>
-        </p:txBody>
-      </p:sp>
-      <p:sp>
-        <p:nvSpPr>
-          <p:cNvPr id="3" name="Subtitle 2">
-            <a:extLst>
-              <a:ext uri="{FF2B5EF4-FFF2-40B4-BE49-F238E27FC236}">
-                <a16:creationId xmlns:a16="http://schemas.microsoft.com/office/drawing/2014/main" id="{C9B07A7B-1613-06C1-F0E0-851479B87AA0}"/>
-              </a:ext>
-            </a:extLst>
-          </p:cNvPr>
-          <p:cNvSpPr>
-            <a:spLocks noGrp="1"/>
-          </p:cNvSpPr>
-          <p:nvPr>
-            <p:ph type="subTitle" idx="1"/>
-          </p:nvPr>
-        </p:nvSpPr>
-        <p:spPr/>
-        <p:txBody>
-          <a:bodyPr/>
-          <a:lstStyle/>
-          <a:p>
-            <a:endParaRPr lang="en-US"/>
-          </a:p>
-        </p:txBody>
-      </p:sp>
-    </p:spTree>
-    <p:extLst>
-      <p:ext uri="{BB962C8B-B14F-4D97-AF65-F5344CB8AC3E}">
-        <p14:creationId xmlns:p14="http://schemas.microsoft.com/office/powerpoint/2010/main" val="1606398906"/>
       </p:ext>
     </p:extLst>
   </p:cSld>
@@ -12919,10 +13318,20 @@
             <a:r>
               <a:rPr lang="en-US" sz="4800" cap="none" dirty="0">
                 <a:solidFill>
+                  <a:schemeClr val="tx1"/>
+                </a:solidFill>
+              </a:rPr>
+              <a:t>Introduction:</a:t>
+            </a:r>
+          </a:p>
+          <a:p>
+            <a:r>
+              <a:rPr lang="en-US" sz="4800" cap="none" dirty="0">
+                <a:solidFill>
                   <a:schemeClr val="bg1"/>
                 </a:solidFill>
               </a:rPr>
-              <a:t>Data was gathered from opendataforafrica.org. Microsoft Excel was used to process the data and develop the visualization used in the report.</a:t>
+              <a:t>Data used in this project was sourced from opendataforafrica.org. Microsoft Excel was used to process the data and develop the visualization used in the report.</a:t>
             </a:r>
           </a:p>
         </p:txBody>
@@ -12979,8 +13388,8 @@
         </p:nvSpPr>
         <p:spPr bwMode="auto">
           <a:xfrm>
-            <a:off x="611505" y="117693"/>
-            <a:ext cx="11580495" cy="6740307"/>
+            <a:off x="611505" y="-66973"/>
+            <a:ext cx="11580495" cy="7109639"/>
           </a:xfrm>
           <a:prstGeom prst="rect">
             <a:avLst/>
@@ -13050,7 +13459,7 @@
                   <a:schemeClr val="bg1"/>
                 </a:solidFill>
               </a:rPr>
-              <a:t>The data was categorized according to different time periods of the day, specifically:</a:t>
+              <a:t>After data was sourced, it was categorized according to different time periods of the day, specifically:</a:t>
             </a:r>
           </a:p>
           <a:p>
@@ -13586,7 +13995,7 @@
           <a:bodyPr/>
           <a:lstStyle/>
           <a:p>
-            <a:endParaRPr lang="en-US"/>
+            <a:endParaRPr lang="en-US" dirty="0"/>
           </a:p>
         </p:txBody>
       </p:sp>
@@ -13617,10 +14026,10 @@
       </p:sp>
       <p:pic>
         <p:nvPicPr>
-          <p:cNvPr id="35" name="Picture 34">
+          <p:cNvPr id="5" name="Picture 4">
             <a:extLst>
               <a:ext uri="{FF2B5EF4-FFF2-40B4-BE49-F238E27FC236}">
-                <a16:creationId xmlns:a16="http://schemas.microsoft.com/office/drawing/2014/main" id="{066F6D4B-FA76-18AD-FC32-1DA4B7A19906}"/>
+                <a16:creationId xmlns:a16="http://schemas.microsoft.com/office/drawing/2014/main" id="{380469FE-DC3A-C13C-1214-343AC7C2FE52}"/>
               </a:ext>
             </a:extLst>
           </p:cNvPr>
@@ -13637,8 +14046,8 @@
         </p:blipFill>
         <p:spPr>
           <a:xfrm>
-            <a:off x="0" y="151096"/>
-            <a:ext cx="12192000" cy="6441508"/>
+            <a:off x="2459" y="0"/>
+            <a:ext cx="12187082" cy="6858000"/>
           </a:xfrm>
           <a:prstGeom prst="rect">
             <a:avLst/>
@@ -13683,10 +14092,10 @@
       </p:grpSpPr>
       <p:pic>
         <p:nvPicPr>
-          <p:cNvPr id="19" name="Picture 18">
+          <p:cNvPr id="3" name="Picture 2">
             <a:extLst>
               <a:ext uri="{FF2B5EF4-FFF2-40B4-BE49-F238E27FC236}">
-                <a16:creationId xmlns:a16="http://schemas.microsoft.com/office/drawing/2014/main" id="{0DD6E47A-61D1-6357-F683-BE868E5320DB}"/>
+                <a16:creationId xmlns:a16="http://schemas.microsoft.com/office/drawing/2014/main" id="{78B1887A-61D3-57EE-388B-C6F39FA9A737}"/>
               </a:ext>
             </a:extLst>
           </p:cNvPr>
@@ -13703,8 +14112,8 @@
         </p:blipFill>
         <p:spPr>
           <a:xfrm>
-            <a:off x="123825" y="66675"/>
-            <a:ext cx="11934825" cy="6705600"/>
+            <a:off x="2459" y="0"/>
+            <a:ext cx="12187082" cy="6858000"/>
           </a:xfrm>
           <a:prstGeom prst="rect">
             <a:avLst/>
@@ -13749,10 +14158,10 @@
       </p:grpSpPr>
       <p:pic>
         <p:nvPicPr>
-          <p:cNvPr id="19" name="Picture 18">
+          <p:cNvPr id="5" name="Picture 4">
             <a:extLst>
               <a:ext uri="{FF2B5EF4-FFF2-40B4-BE49-F238E27FC236}">
-                <a16:creationId xmlns:a16="http://schemas.microsoft.com/office/drawing/2014/main" id="{6342CE25-BE09-FC77-32DB-A8ECFE95AFC6}"/>
+                <a16:creationId xmlns:a16="http://schemas.microsoft.com/office/drawing/2014/main" id="{B548B744-359F-1C77-100C-B1752E9998C6}"/>
               </a:ext>
             </a:extLst>
           </p:cNvPr>
@@ -13865,10 +14274,10 @@
       </p:sp>
       <p:pic>
         <p:nvPicPr>
-          <p:cNvPr id="4" name="Picture 3">
+          <p:cNvPr id="5" name="Picture 4">
             <a:extLst>
               <a:ext uri="{FF2B5EF4-FFF2-40B4-BE49-F238E27FC236}">
-                <a16:creationId xmlns:a16="http://schemas.microsoft.com/office/drawing/2014/main" id="{3EA89E8A-EA11-B86C-4682-1459C5850FAA}"/>
+                <a16:creationId xmlns:a16="http://schemas.microsoft.com/office/drawing/2014/main" id="{284438F4-8F71-F094-AC50-6B7B78A131A0}"/>
               </a:ext>
             </a:extLst>
           </p:cNvPr>
@@ -13981,10 +14390,10 @@
       </p:sp>
       <p:pic>
         <p:nvPicPr>
-          <p:cNvPr id="4" name="Picture 3">
+          <p:cNvPr id="21" name="Picture 20">
             <a:extLst>
               <a:ext uri="{FF2B5EF4-FFF2-40B4-BE49-F238E27FC236}">
-                <a16:creationId xmlns:a16="http://schemas.microsoft.com/office/drawing/2014/main" id="{52BC4946-5543-5DFC-B6EE-C3BFC51DA3D9}"/>
+                <a16:creationId xmlns:a16="http://schemas.microsoft.com/office/drawing/2014/main" id="{91B2F15E-7D4A-72B7-3044-ED631D8499F6}"/>
               </a:ext>
             </a:extLst>
           </p:cNvPr>
@@ -14097,10 +14506,10 @@
       </p:sp>
       <p:pic>
         <p:nvPicPr>
-          <p:cNvPr id="4" name="Picture 3">
+          <p:cNvPr id="5" name="Picture 4">
             <a:extLst>
               <a:ext uri="{FF2B5EF4-FFF2-40B4-BE49-F238E27FC236}">
-                <a16:creationId xmlns:a16="http://schemas.microsoft.com/office/drawing/2014/main" id="{567751AC-8F19-7E67-0EC6-CCB874D54733}"/>
+                <a16:creationId xmlns:a16="http://schemas.microsoft.com/office/drawing/2014/main" id="{837611CB-197B-994F-BB08-AE68CC02AC00}"/>
               </a:ext>
             </a:extLst>
           </p:cNvPr>
